--- a/test-output.pptx
+++ b/test-output.pptx
@@ -7,7 +7,7 @@
   <p:sldIdLst>
     <p:sldId id="256" r:id="rId6"/>
   </p:sldIdLst>
-  <p:sldSz cx="24384000" cy="13716000"/>
+  <p:sldSz cx="16256000" cy="9144000"/>
   <p:notesSz cx="6858000" cy="9144000"/>
   <p:defaultTextStyle>
     <a:defPPr>
@@ -3067,18 +3067,18 @@
         </p:nvSpPr>
         <p:spPr>
           <a:xfrm>
-            <a:off x="1270000" y="1270000"/>
-            <a:ext cx="2540000" cy="1270000"/>
+            <a:off x="6985000" y="1524000"/>
+            <a:ext cx="2286000" cy="1143000"/>
           </a:xfrm>
           <a:prstGeom prst="roundRect">
             <a:avLst/>
           </a:prstGeom>
           <a:solidFill>
-            <a:srgbClr val="0064C8"/>
+            <a:srgbClr val="0072C6"/>
           </a:solidFill>
-          <a:ln w="25400">
+          <a:ln w="19050">
             <a:solidFill>
-              <a:srgbClr val="000000"/>
+              <a:srgbClr val="404040"/>
             </a:solidFill>
           </a:ln>
         </p:spPr>
@@ -3090,41 +3090,89 @@
                 <a:solidFill>
                   <a:srgbClr val="FFFFFF"/>
                 </a:solidFill>
+                <a:latin typeface="Arial"/>
               </a:rPr>
               <a:t>web</a:t>
             </a:r>
             <a:r>
               <a:rPr lang="en-US" sz="1000">
+                <a:solidFill>
+                  <a:srgbClr val="E6E6E6"/>
+                </a:solidFill>
+              </a:rPr>
+              <a:t>
+(nginx:latest)</a:t>
+            </a:r>
+          </a:p>
+        </p:txBody>
+      </p:sp>
+      <p:sp>
+        <p:nvSpPr>
+          <p:cNvPr name="AutoShape 3" id="3"/>
+          <p:cNvSpPr/>
+          <p:nvPr/>
+        </p:nvSpPr>
+        <p:spPr>
+          <a:xfrm>
+            <a:off x="6985000" y="3810000"/>
+            <a:ext cx="2286000" cy="1143000"/>
+          </a:xfrm>
+          <a:prstGeom prst="roundRect">
+            <a:avLst/>
+          </a:prstGeom>
+          <a:solidFill>
+            <a:srgbClr val="0072C6"/>
+          </a:solidFill>
+          <a:ln w="19050">
+            <a:solidFill>
+              <a:srgbClr val="404040"/>
+            </a:solidFill>
+          </a:ln>
+        </p:spPr>
+        <p:txBody>
+          <a:p>
+            <a:pPr algn="ctr"/>
+            <a:r>
+              <a:rPr lang="en-US" sz="1400" b="true">
                 <a:solidFill>
                   <a:srgbClr val="FFFFFF"/>
                 </a:solidFill>
+                <a:latin typeface="Arial"/>
+              </a:rPr>
+              <a:t>api</a:t>
+            </a:r>
+            <a:r>
+              <a:rPr lang="en-US" sz="1000">
+                <a:solidFill>
+                  <a:srgbClr val="E6E6E6"/>
+                </a:solidFill>
               </a:rPr>
               <a:t>
-nginx:latest</a:t>
-            </a:r>
-          </a:p>
-        </p:txBody>
-      </p:sp>
-      <p:sp>
-        <p:nvSpPr>
-          <p:cNvPr name="AutoShape 3" id="3"/>
+(node:18)</a:t>
+            </a:r>
+          </a:p>
+        </p:txBody>
+      </p:sp>
+      <p:sp>
+        <p:nvSpPr>
+          <p:cNvPr name="AutoShape 4" id="4"/>
           <p:cNvSpPr/>
           <p:nvPr/>
         </p:nvSpPr>
         <p:spPr>
           <a:xfrm>
-            <a:off x="4445000" y="1270000"/>
-            <a:ext cx="2540000" cy="1270000"/>
+            <a:off x="5461000" y="6096000"/>
+            <a:ext cx="2286000" cy="1143000"/>
           </a:xfrm>
           <a:prstGeom prst="flowChartMagneticDisk">
             <a:avLst/>
           </a:prstGeom>
           <a:solidFill>
-            <a:srgbClr val="FFA500"/>
+            <a:srgbClr val="FF8C00"/>
           </a:solidFill>
-          <a:ln w="25400">
+          <a:ln w="19050">
             <a:solidFill>
-              <a:srgbClr val="000000"/>
+              <a:srgbClr val="404040"/>
             </a:solidFill>
           </a:ln>
         </p:spPr>
@@ -3136,41 +3184,42 @@
                 <a:solidFill>
                   <a:srgbClr val="FFFFFF"/>
                 </a:solidFill>
+                <a:latin typeface="Arial"/>
               </a:rPr>
               <a:t>db</a:t>
             </a:r>
             <a:r>
               <a:rPr lang="en-US" sz="1000">
                 <a:solidFill>
-                  <a:srgbClr val="FFFFFF"/>
+                  <a:srgbClr val="E6E6E6"/>
                 </a:solidFill>
               </a:rPr>
               <a:t>
-postgres:15</a:t>
-            </a:r>
-          </a:p>
-        </p:txBody>
-      </p:sp>
-      <p:sp>
-        <p:nvSpPr>
-          <p:cNvPr name="AutoShape 4" id="4"/>
+(postgres:15)</a:t>
+            </a:r>
+          </a:p>
+        </p:txBody>
+      </p:sp>
+      <p:sp>
+        <p:nvSpPr>
+          <p:cNvPr name="AutoShape 5" id="5"/>
           <p:cNvSpPr/>
           <p:nvPr/>
         </p:nvSpPr>
         <p:spPr>
           <a:xfrm>
-            <a:off x="7620000" y="1270000"/>
-            <a:ext cx="2540000" cy="1270000"/>
+            <a:off x="8509000" y="6096000"/>
+            <a:ext cx="2286000" cy="1143000"/>
           </a:xfrm>
           <a:prstGeom prst="roundRect">
             <a:avLst/>
           </a:prstGeom>
           <a:solidFill>
-            <a:srgbClr val="0064C8"/>
+            <a:srgbClr val="0072C6"/>
           </a:solidFill>
-          <a:ln w="25400">
+          <a:ln w="19050">
             <a:solidFill>
-              <a:srgbClr val="000000"/>
+              <a:srgbClr val="404040"/>
             </a:solidFill>
           </a:ln>
         </p:spPr>
@@ -3182,63 +3231,18 @@
                 <a:solidFill>
                   <a:srgbClr val="FFFFFF"/>
                 </a:solidFill>
+                <a:latin typeface="Arial"/>
               </a:rPr>
               <a:t>cache</a:t>
             </a:r>
             <a:r>
               <a:rPr lang="en-US" sz="1000">
                 <a:solidFill>
-                  <a:srgbClr val="FFFFFF"/>
+                  <a:srgbClr val="E6E6E6"/>
                 </a:solidFill>
               </a:rPr>
               <a:t>
-redis:7</a:t>
-            </a:r>
-          </a:p>
-        </p:txBody>
-      </p:sp>
-      <p:sp>
-        <p:nvSpPr>
-          <p:cNvPr name="AutoShape 5" id="5"/>
-          <p:cNvSpPr/>
-          <p:nvPr/>
-        </p:nvSpPr>
-        <p:spPr>
-          <a:xfrm>
-            <a:off x="1270000" y="3175000"/>
-            <a:ext cx="2540000" cy="1270000"/>
-          </a:xfrm>
-          <a:prstGeom prst="roundRect">
-            <a:avLst/>
-          </a:prstGeom>
-          <a:solidFill>
-            <a:srgbClr val="0064C8"/>
-          </a:solidFill>
-          <a:ln w="25400">
-            <a:solidFill>
-              <a:srgbClr val="000000"/>
-            </a:solidFill>
-          </a:ln>
-        </p:spPr>
-        <p:txBody>
-          <a:p>
-            <a:pPr algn="ctr"/>
-            <a:r>
-              <a:rPr lang="en-US" sz="1400" b="true">
-                <a:solidFill>
-                  <a:srgbClr val="FFFFFF"/>
-                </a:solidFill>
-              </a:rPr>
-              <a:t>api</a:t>
-            </a:r>
-            <a:r>
-              <a:rPr lang="en-US" sz="1000">
-                <a:solidFill>
-                  <a:srgbClr val="FFFFFF"/>
-                </a:solidFill>
-              </a:rPr>
-              <a:t>
-node:18</a:t>
+(redis:7)</a:t>
             </a:r>
           </a:p>
         </p:txBody>
@@ -3250,14 +3254,13 @@
           <p:nvPr/>
         </p:nvSpPr>
         <p:spPr>
-          <a:xfrm>
-            <a:off x="2540000" y="1905000"/>
-            <a:ext cx="3175000" cy="12700"/>
+          <a:xfrm flipV="true">
+            <a:off x="6604000" y="2095500"/>
+            <a:ext cx="1524000" cy="4572000"/>
           </a:xfrm>
           <a:prstGeom prst="line">
             <a:avLst/>
           </a:prstGeom>
-          <a:noFill/>
           <a:ln w="19050">
             <a:solidFill>
               <a:srgbClr val="808080"/>
@@ -3273,13 +3276,12 @@
         </p:nvSpPr>
         <p:spPr>
           <a:xfrm>
-            <a:off x="2540000" y="1905000"/>
-            <a:ext cx="6350000" cy="12700"/>
+            <a:off x="8128000" y="2095500"/>
+            <a:ext cx="1524000" cy="4572000"/>
           </a:xfrm>
           <a:prstGeom prst="line">
             <a:avLst/>
           </a:prstGeom>
-          <a:noFill/>
           <a:ln w="19050">
             <a:solidFill>
               <a:srgbClr val="808080"/>
@@ -3294,14 +3296,13 @@
           <p:nvPr/>
         </p:nvSpPr>
         <p:spPr>
-          <a:xfrm>
-            <a:off x="2540000" y="1905000"/>
-            <a:ext cx="3175000" cy="1905000"/>
+          <a:xfrm flipV="true">
+            <a:off x="6604000" y="4381500"/>
+            <a:ext cx="1524000" cy="2286000"/>
           </a:xfrm>
           <a:prstGeom prst="line">
             <a:avLst/>
           </a:prstGeom>
-          <a:noFill/>
           <a:ln w="19050">
             <a:solidFill>
               <a:srgbClr val="808080"/>
